--- a/Report/Presentazione_progetto_SIIS_Merelli_Carbone_Grosso.pptx
+++ b/Report/Presentazione_progetto_SIIS_Merelli_Carbone_Grosso.pptx
@@ -1005,7 +1005,7 @@
           <a:p>
             <a:fld id="{445FCF14-918E-4047-8BBB-15CFF9EA5E07}" type="datetimeFigureOut">
               <a:rPr lang="it-IT" smtClean="0"/>
-              <a:t>06/01/2022</a:t>
+              <a:t>30/01/2022</a:t>
             </a:fld>
             <a:endParaRPr lang="it-IT"/>
           </a:p>
@@ -1419,7 +1419,7 @@
           <a:p>
             <a:fld id="{AA3A6BE5-8C39-481F-A270-BEF917F1E5E1}" type="datetimeFigureOut">
               <a:rPr lang="it-IT" smtClean="0"/>
-              <a:t>06/01/2022</a:t>
+              <a:t>30/01/2022</a:t>
             </a:fld>
             <a:endParaRPr lang="it-IT"/>
           </a:p>
@@ -1617,7 +1617,7 @@
           <a:p>
             <a:fld id="{AA3A6BE5-8C39-481F-A270-BEF917F1E5E1}" type="datetimeFigureOut">
               <a:rPr lang="it-IT" smtClean="0"/>
-              <a:t>06/01/2022</a:t>
+              <a:t>30/01/2022</a:t>
             </a:fld>
             <a:endParaRPr lang="it-IT"/>
           </a:p>
@@ -1825,7 +1825,7 @@
           <a:p>
             <a:fld id="{AA3A6BE5-8C39-481F-A270-BEF917F1E5E1}" type="datetimeFigureOut">
               <a:rPr lang="it-IT" smtClean="0"/>
-              <a:t>06/01/2022</a:t>
+              <a:t>30/01/2022</a:t>
             </a:fld>
             <a:endParaRPr lang="it-IT"/>
           </a:p>
@@ -2023,7 +2023,7 @@
           <a:p>
             <a:fld id="{AA3A6BE5-8C39-481F-A270-BEF917F1E5E1}" type="datetimeFigureOut">
               <a:rPr lang="it-IT" smtClean="0"/>
-              <a:t>06/01/2022</a:t>
+              <a:t>30/01/2022</a:t>
             </a:fld>
             <a:endParaRPr lang="it-IT"/>
           </a:p>
@@ -2298,7 +2298,7 @@
           <a:p>
             <a:fld id="{AA3A6BE5-8C39-481F-A270-BEF917F1E5E1}" type="datetimeFigureOut">
               <a:rPr lang="it-IT" smtClean="0"/>
-              <a:t>06/01/2022</a:t>
+              <a:t>30/01/2022</a:t>
             </a:fld>
             <a:endParaRPr lang="it-IT"/>
           </a:p>
@@ -2563,7 +2563,7 @@
           <a:p>
             <a:fld id="{AA3A6BE5-8C39-481F-A270-BEF917F1E5E1}" type="datetimeFigureOut">
               <a:rPr lang="it-IT" smtClean="0"/>
-              <a:t>06/01/2022</a:t>
+              <a:t>30/01/2022</a:t>
             </a:fld>
             <a:endParaRPr lang="it-IT"/>
           </a:p>
@@ -2975,7 +2975,7 @@
           <a:p>
             <a:fld id="{AA3A6BE5-8C39-481F-A270-BEF917F1E5E1}" type="datetimeFigureOut">
               <a:rPr lang="it-IT" smtClean="0"/>
-              <a:t>06/01/2022</a:t>
+              <a:t>30/01/2022</a:t>
             </a:fld>
             <a:endParaRPr lang="it-IT"/>
           </a:p>
@@ -3116,7 +3116,7 @@
           <a:p>
             <a:fld id="{AA3A6BE5-8C39-481F-A270-BEF917F1E5E1}" type="datetimeFigureOut">
               <a:rPr lang="it-IT" smtClean="0"/>
-              <a:t>06/01/2022</a:t>
+              <a:t>30/01/2022</a:t>
             </a:fld>
             <a:endParaRPr lang="it-IT"/>
           </a:p>
@@ -3229,7 +3229,7 @@
           <a:p>
             <a:fld id="{AA3A6BE5-8C39-481F-A270-BEF917F1E5E1}" type="datetimeFigureOut">
               <a:rPr lang="it-IT" smtClean="0"/>
-              <a:t>06/01/2022</a:t>
+              <a:t>30/01/2022</a:t>
             </a:fld>
             <a:endParaRPr lang="it-IT"/>
           </a:p>
@@ -3540,7 +3540,7 @@
           <a:p>
             <a:fld id="{AA3A6BE5-8C39-481F-A270-BEF917F1E5E1}" type="datetimeFigureOut">
               <a:rPr lang="it-IT" smtClean="0"/>
-              <a:t>06/01/2022</a:t>
+              <a:t>30/01/2022</a:t>
             </a:fld>
             <a:endParaRPr lang="it-IT"/>
           </a:p>
@@ -3828,7 +3828,7 @@
           <a:p>
             <a:fld id="{AA3A6BE5-8C39-481F-A270-BEF917F1E5E1}" type="datetimeFigureOut">
               <a:rPr lang="it-IT" smtClean="0"/>
-              <a:t>06/01/2022</a:t>
+              <a:t>30/01/2022</a:t>
             </a:fld>
             <a:endParaRPr lang="it-IT"/>
           </a:p>
@@ -4069,7 +4069,7 @@
           <a:p>
             <a:fld id="{AA3A6BE5-8C39-481F-A270-BEF917F1E5E1}" type="datetimeFigureOut">
               <a:rPr lang="it-IT" smtClean="0"/>
-              <a:t>06/01/2022</a:t>
+              <a:t>30/01/2022</a:t>
             </a:fld>
             <a:endParaRPr lang="it-IT"/>
           </a:p>
@@ -9075,7 +9075,7 @@
                 <a:ea typeface="Lato Black" panose="020F0502020204030203" pitchFamily="34" charset="0"/>
                 <a:cs typeface="Lato Black" panose="020F0502020204030203" pitchFamily="34" charset="0"/>
               </a:rPr>
-              <a:t>Where </a:t>
+              <a:t>Valutazione di </a:t>
             </a:r>
             <a:r>
               <a:rPr lang="it-IT" sz="3200" dirty="0" err="1">
@@ -9083,32 +9083,13 @@
                 <a:ea typeface="Lato Black" panose="020F0502020204030203" pitchFamily="34" charset="0"/>
                 <a:cs typeface="Lato Black" panose="020F0502020204030203" pitchFamily="34" charset="0"/>
               </a:rPr>
-              <a:t>is</a:t>
-            </a:r>
-            <a:r>
-              <a:rPr lang="it-IT" sz="3200" dirty="0">
-                <a:latin typeface="Lato Black" panose="020F0502020204030203" pitchFamily="34" charset="0"/>
-                <a:ea typeface="Lato Black" panose="020F0502020204030203" pitchFamily="34" charset="0"/>
-                <a:cs typeface="Lato Black" panose="020F0502020204030203" pitchFamily="34" charset="0"/>
-              </a:rPr>
-              <a:t> the </a:t>
-            </a:r>
-            <a:r>
-              <a:rPr lang="it-IT" sz="3200" dirty="0" err="1">
-                <a:latin typeface="Lato Black" panose="020F0502020204030203" pitchFamily="34" charset="0"/>
-                <a:ea typeface="Lato Black" panose="020F0502020204030203" pitchFamily="34" charset="0"/>
-                <a:cs typeface="Lato Black" panose="020F0502020204030203" pitchFamily="34" charset="0"/>
-              </a:rPr>
-              <a:t>beef</a:t>
-            </a:r>
-            <a:r>
-              <a:rPr lang="it-IT" sz="3200" dirty="0">
-                <a:latin typeface="Lato Black" panose="020F0502020204030203" pitchFamily="34" charset="0"/>
-                <a:ea typeface="Lato Black" panose="020F0502020204030203" pitchFamily="34" charset="0"/>
-                <a:cs typeface="Lato Black" panose="020F0502020204030203" pitchFamily="34" charset="0"/>
-              </a:rPr>
-              <a:t>?</a:t>
-            </a:r>
+              <a:t>qualitá</a:t>
+            </a:r>
+            <a:endParaRPr lang="it-IT" sz="3200" dirty="0">
+              <a:latin typeface="Lato Black" panose="020F0502020204030203" pitchFamily="34" charset="0"/>
+              <a:ea typeface="Lato Black" panose="020F0502020204030203" pitchFamily="34" charset="0"/>
+              <a:cs typeface="Lato Black" panose="020F0502020204030203" pitchFamily="34" charset="0"/>
+            </a:endParaRPr>
           </a:p>
         </p:txBody>
       </p:sp>
@@ -9127,7 +9108,7 @@
         <p:spPr>
           <a:xfrm>
             <a:off x="704847" y="2024062"/>
-            <a:ext cx="4845561" cy="3323987"/>
+            <a:ext cx="4845561" cy="2062103"/>
           </a:xfrm>
           <a:prstGeom prst="rect">
             <a:avLst/>
@@ -9149,17 +9130,10 @@
             </a:pPr>
             <a:r>
               <a:rPr lang="it-IT" sz="1400" dirty="0">
-                <a:latin typeface="Poppins Light" panose="00000400000000000000" pitchFamily="50" charset="0"/>
-                <a:cs typeface="Poppins Light" panose="00000400000000000000" pitchFamily="50" charset="0"/>
-              </a:rPr>
-              <a:t>La </a:t>
-            </a:r>
-            <a:r>
-              <a:rPr lang="it-IT" sz="1400" dirty="0">
-                <a:latin typeface="Poppins Light" panose="00000400000000000000" pitchFamily="2" charset="0"/>
-                <a:cs typeface="Poppins Light" panose="00000400000000000000" pitchFamily="2" charset="0"/>
-              </a:rPr>
-              <a:t>saggezza digitale non risiede nei gruppi principali di utenti</a:t>
+                <a:latin typeface="Poppins Light" panose="00000400000000000000" pitchFamily="2" charset="0"/>
+                <a:cs typeface="Poppins Light" panose="00000400000000000000" pitchFamily="2" charset="0"/>
+              </a:rPr>
+              <a:t>Valutazione euristica (coinvolte 6 persone):</a:t>
             </a:r>
           </a:p>
           <a:p>
@@ -9172,68 +9146,10 @@
             </a:pPr>
             <a:r>
               <a:rPr lang="it-IT" sz="1400" dirty="0">
-                <a:latin typeface="Poppins Light" panose="00000400000000000000" pitchFamily="50" charset="0"/>
-                <a:cs typeface="Poppins Light" panose="00000400000000000000" pitchFamily="50" charset="0"/>
-              </a:rPr>
-              <a:t>La </a:t>
-            </a:r>
-            <a:r>
-              <a:rPr lang="it-IT" sz="1400" dirty="0">
-                <a:latin typeface="Poppins Medium" panose="00000600000000000000" pitchFamily="2" charset="0"/>
-                <a:cs typeface="Poppins Medium" panose="00000600000000000000" pitchFamily="2" charset="0"/>
-              </a:rPr>
-              <a:t>saggezza digitale </a:t>
-            </a:r>
-            <a:r>
-              <a:rPr lang="it-IT" sz="1400" dirty="0">
-                <a:latin typeface="Poppins Light" panose="00000400000000000000" pitchFamily="50" charset="0"/>
-                <a:cs typeface="Poppins Light" panose="00000400000000000000" pitchFamily="50" charset="0"/>
-              </a:rPr>
-              <a:t>è delle </a:t>
-            </a:r>
-            <a:r>
-              <a:rPr lang="it-IT" sz="1400" dirty="0">
-                <a:latin typeface="Poppins Medium" panose="00000600000000000000" pitchFamily="2" charset="0"/>
-                <a:cs typeface="Poppins Medium" panose="00000600000000000000" pitchFamily="2" charset="0"/>
-              </a:rPr>
-              <a:t>nuove</a:t>
-            </a:r>
-            <a:r>
-              <a:rPr lang="it-IT" sz="1400" dirty="0">
-                <a:latin typeface="Poppins Light" panose="00000400000000000000" pitchFamily="50" charset="0"/>
-                <a:cs typeface="Poppins Light" panose="00000400000000000000" pitchFamily="50" charset="0"/>
-              </a:rPr>
-              <a:t> </a:t>
-            </a:r>
-            <a:r>
-              <a:rPr lang="it-IT" sz="1400" dirty="0">
-                <a:latin typeface="Poppins Medium" panose="00000600000000000000" pitchFamily="2" charset="0"/>
-                <a:cs typeface="Poppins Medium" panose="00000600000000000000" pitchFamily="2" charset="0"/>
-              </a:rPr>
-              <a:t>élite</a:t>
-            </a:r>
-          </a:p>
-          <a:p>
-            <a:pPr marL="285750" indent="-285750">
-              <a:spcAft>
-                <a:spcPts val="1200"/>
-              </a:spcAft>
-              <a:buFont typeface="Wingdings" panose="05000000000000000000" pitchFamily="2" charset="2"/>
-              <a:buChar char="q"/>
-            </a:pPr>
-            <a:r>
-              <a:rPr lang="it-IT" sz="1400" dirty="0">
-                <a:latin typeface="Poppins Medium" panose="00000600000000000000" pitchFamily="2" charset="0"/>
-                <a:cs typeface="Poppins Medium" panose="00000600000000000000" pitchFamily="2" charset="0"/>
-              </a:rPr>
-              <a:t>Design semplificato </a:t>
-            </a:r>
-            <a:r>
-              <a:rPr lang="it-IT" sz="1400" dirty="0">
-                <a:latin typeface="Poppins Light" panose="00000400000000000000" pitchFamily="50" charset="0"/>
-                <a:cs typeface="Poppins Light" panose="00000400000000000000" pitchFamily="50" charset="0"/>
-              </a:rPr>
-              <a:t>delle tecnologie</a:t>
+                <a:latin typeface="Poppins Light" panose="00000400000000000000" pitchFamily="2" charset="0"/>
+                <a:cs typeface="Poppins Light" panose="00000400000000000000" pitchFamily="2" charset="0"/>
+              </a:rPr>
+              <a:t>Colorazione controintuitiva della timeline</a:t>
             </a:r>
           </a:p>
           <a:p>
@@ -9246,10 +9162,10 @@
             </a:pPr>
             <a:r>
               <a:rPr lang="it-IT" sz="1400" dirty="0">
-                <a:latin typeface="Poppins Light" panose="00000400000000000000" pitchFamily="50" charset="0"/>
-                <a:cs typeface="Poppins Light" panose="00000400000000000000" pitchFamily="50" charset="0"/>
-              </a:rPr>
-              <a:t>L’approccio è diretto e intuitivo</a:t>
+                <a:latin typeface="Poppins Light" panose="00000400000000000000" pitchFamily="2" charset="0"/>
+                <a:cs typeface="Poppins Light" panose="00000400000000000000" pitchFamily="2" charset="0"/>
+              </a:rPr>
+              <a:t>Basso contrasto tra i riferimenti ai mesi più inquinati</a:t>
             </a:r>
           </a:p>
           <a:p>
@@ -9265,97 +9181,21 @@
                 <a:latin typeface="Poppins Light" panose="00000400000000000000" pitchFamily="2" charset="0"/>
                 <a:cs typeface="Poppins Light" panose="00000400000000000000" pitchFamily="2" charset="0"/>
               </a:rPr>
-              <a:t>L’</a:t>
+              <a:t>Mancanza di consistenza tra i colori delle fonti di inquinamento negli </a:t>
+            </a:r>
+            <a:r>
+              <a:rPr lang="it-IT" sz="1400" dirty="0" err="1">
+                <a:latin typeface="Poppins Light" panose="00000400000000000000" pitchFamily="2" charset="0"/>
+                <a:cs typeface="Poppins Light" panose="00000400000000000000" pitchFamily="2" charset="0"/>
+              </a:rPr>
+              <a:t>stacked</a:t>
             </a:r>
             <a:r>
               <a:rPr lang="it-IT" sz="1400" dirty="0">
-                <a:latin typeface="Poppins Medium" panose="00000600000000000000" pitchFamily="2" charset="0"/>
-                <a:cs typeface="Poppins Medium" panose="00000600000000000000" pitchFamily="2" charset="0"/>
-              </a:rPr>
-              <a:t>utente medio </a:t>
-            </a:r>
-            <a:r>
-              <a:rPr lang="it-IT" sz="1400" dirty="0">
-                <a:latin typeface="Poppins Light" panose="00000400000000000000" pitchFamily="2" charset="0"/>
-                <a:cs typeface="Poppins Light" panose="00000400000000000000" pitchFamily="2" charset="0"/>
-              </a:rPr>
-              <a:t>è</a:t>
-            </a:r>
-            <a:r>
-              <a:rPr lang="it-IT" sz="1400" dirty="0">
-                <a:latin typeface="Poppins Medium" panose="00000600000000000000" pitchFamily="2" charset="0"/>
-                <a:cs typeface="Poppins Medium" panose="00000600000000000000" pitchFamily="2" charset="0"/>
-              </a:rPr>
-              <a:t> poco stimolato </a:t>
-            </a:r>
-            <a:r>
-              <a:rPr lang="it-IT" sz="1400" dirty="0">
-                <a:latin typeface="Poppins Light" panose="00000400000000000000" pitchFamily="50" charset="0"/>
-                <a:cs typeface="Poppins Light" panose="00000400000000000000" pitchFamily="50" charset="0"/>
-              </a:rPr>
-              <a:t>ad imparare </a:t>
-            </a:r>
-          </a:p>
-          <a:p>
-            <a:pPr marL="285750" indent="-285750">
-              <a:spcAft>
-                <a:spcPts val="1200"/>
-              </a:spcAft>
-              <a:buFont typeface="Wingdings" panose="05000000000000000000" pitchFamily="2" charset="2"/>
-              <a:buChar char="q"/>
-            </a:pPr>
-            <a:r>
-              <a:rPr lang="it-IT" sz="1400" dirty="0">
-                <a:latin typeface="Poppins Light" panose="00000400000000000000" pitchFamily="50" charset="0"/>
-                <a:cs typeface="Poppins Light" panose="00000400000000000000" pitchFamily="50" charset="0"/>
-              </a:rPr>
-              <a:t>La </a:t>
-            </a:r>
-            <a:r>
-              <a:rPr lang="it-IT" sz="1400" dirty="0">
-                <a:latin typeface="Poppins Light" panose="00000400000000000000" pitchFamily="2" charset="0"/>
-                <a:cs typeface="Poppins Light" panose="00000400000000000000" pitchFamily="2" charset="0"/>
-              </a:rPr>
-              <a:t>saggezza digitale risiede in </a:t>
-            </a:r>
-            <a:r>
-              <a:rPr lang="it-IT" sz="1400" dirty="0">
-                <a:latin typeface="Poppins Medium" panose="00000600000000000000" pitchFamily="2" charset="0"/>
-                <a:cs typeface="Poppins Medium" panose="00000600000000000000" pitchFamily="2" charset="0"/>
-              </a:rPr>
-              <a:t>nuove skills</a:t>
-            </a:r>
-          </a:p>
-          <a:p>
-            <a:pPr marL="742950" lvl="1" indent="-285750">
-              <a:spcAft>
-                <a:spcPts val="1200"/>
-              </a:spcAft>
-              <a:buFont typeface="Arial" panose="020B0604020202020204" pitchFamily="34" charset="0"/>
-              <a:buChar char="•"/>
-            </a:pPr>
-            <a:r>
-              <a:rPr lang="it-IT" sz="1400" dirty="0">
-                <a:latin typeface="Poppins Light" panose="00000400000000000000" pitchFamily="50" charset="0"/>
-                <a:cs typeface="Poppins Light" panose="00000400000000000000" pitchFamily="50" charset="0"/>
-              </a:rPr>
-              <a:t>Ristrutturazione sistemi educativi </a:t>
-            </a:r>
-          </a:p>
-          <a:p>
-            <a:pPr marL="742950" lvl="1" indent="-285750">
-              <a:spcAft>
-                <a:spcPts val="1200"/>
-              </a:spcAft>
-              <a:buFont typeface="Arial" panose="020B0604020202020204" pitchFamily="34" charset="0"/>
-              <a:buChar char="•"/>
-            </a:pPr>
-            <a:r>
-              <a:rPr lang="it-IT" sz="1400" dirty="0">
-                <a:latin typeface="Poppins Light" panose="00000400000000000000" pitchFamily="50" charset="0"/>
-                <a:cs typeface="Poppins Light" panose="00000400000000000000" pitchFamily="50" charset="0"/>
-              </a:rPr>
-              <a:t>Valorizzazione educazione non formale</a:t>
+                <a:latin typeface="Poppins Light" panose="00000400000000000000" pitchFamily="2" charset="0"/>
+                <a:cs typeface="Poppins Light" panose="00000400000000000000" pitchFamily="2" charset="0"/>
+              </a:rPr>
+              <a:t> area chart</a:t>
             </a:r>
           </a:p>
         </p:txBody>
@@ -9377,7 +9217,7 @@
         <p:spPr>
           <a:xfrm>
             <a:off x="772998" y="1134050"/>
-            <a:ext cx="3433242" cy="0"/>
+            <a:ext cx="3959869" cy="0"/>
           </a:xfrm>
           <a:prstGeom prst="line">
             <a:avLst/>
